--- a/Meeting/Presentation_0816.pptx
+++ b/Meeting/Presentation_0816.pptx
@@ -25,11 +25,11 @@
     <p:sldId id="310" r:id="rId16"/>
     <p:sldId id="312" r:id="rId17"/>
     <p:sldId id="320" r:id="rId18"/>
-    <p:sldId id="339" r:id="rId19"/>
-    <p:sldId id="353" r:id="rId20"/>
-    <p:sldId id="324" r:id="rId21"/>
-    <p:sldId id="309" r:id="rId22"/>
-    <p:sldId id="311" r:id="rId23"/>
+    <p:sldId id="353" r:id="rId19"/>
+    <p:sldId id="324" r:id="rId20"/>
+    <p:sldId id="309" r:id="rId21"/>
+    <p:sldId id="311" r:id="rId22"/>
+    <p:sldId id="339" r:id="rId23"/>
   </p:sldIdLst>
   <p:sldSz cx="12192000" cy="6858000"/>
   <p:notesSz cx="6858000" cy="9144000"/>
@@ -803,7 +803,7 @@
           <a:p>
             <a:fld id="{50B9CB7D-C514-3544-A72A-E200086B53CC}" type="slidenum">
               <a:rPr lang="en-TW" smtClean="0"/>
-              <a:t>20</a:t>
+              <a:t>19</a:t>
             </a:fld>
             <a:endParaRPr lang="en-TW"/>
           </a:p>
@@ -887,7 +887,7 @@
           <a:p>
             <a:fld id="{50B9CB7D-C514-3544-A72A-E200086B53CC}" type="slidenum">
               <a:rPr lang="en-TW" smtClean="0"/>
-              <a:t>22</a:t>
+              <a:t>21</a:t>
             </a:fld>
             <a:endParaRPr lang="en-TW"/>
           </a:p>
@@ -8348,6 +8348,94 @@
           </a:p>
         </p:txBody>
       </p:sp>
+      <p:sp>
+        <p:nvSpPr>
+          <p:cNvPr id="13" name="TextBox 12">
+            <a:extLst>
+              <a:ext uri="{FF2B5EF4-FFF2-40B4-BE49-F238E27FC236}">
+                <a16:creationId xmlns:a16="http://schemas.microsoft.com/office/drawing/2014/main" id="{DD9AF4B7-C807-62DF-5C62-F1AE4D1D9A7B}"/>
+              </a:ext>
+            </a:extLst>
+          </p:cNvPr>
+          <p:cNvSpPr txBox="1"/>
+          <p:nvPr/>
+        </p:nvSpPr>
+        <p:spPr>
+          <a:xfrm>
+            <a:off x="6761662" y="3602592"/>
+            <a:ext cx="2582310" cy="369332"/>
+          </a:xfrm>
+          <a:prstGeom prst="rect">
+            <a:avLst/>
+          </a:prstGeom>
+          <a:noFill/>
+        </p:spPr>
+        <p:txBody>
+          <a:bodyPr wrap="none" rtlCol="0">
+            <a:spAutoFit/>
+          </a:bodyPr>
+          <a:lstStyle/>
+          <a:p>
+            <a:r>
+              <a:rPr lang="en-TW" sz="1400" dirty="0">
+                <a:sym typeface="Wingdings" pitchFamily="2" charset="2"/>
+              </a:rPr>
+              <a:t></a:t>
+            </a:r>
+            <a:r>
+              <a:rPr lang="en-TW" dirty="0">
+                <a:sym typeface="Wingdings" pitchFamily="2" charset="2"/>
+              </a:rPr>
+              <a:t> Validation Accuracy = 0</a:t>
+            </a:r>
+            <a:endParaRPr lang="en-TW" dirty="0"/>
+          </a:p>
+        </p:txBody>
+      </p:sp>
+      <p:sp>
+        <p:nvSpPr>
+          <p:cNvPr id="14" name="TextBox 13">
+            <a:extLst>
+              <a:ext uri="{FF2B5EF4-FFF2-40B4-BE49-F238E27FC236}">
+                <a16:creationId xmlns:a16="http://schemas.microsoft.com/office/drawing/2014/main" id="{061AA6A9-6C8B-1DA9-0321-41CF25BAB8F5}"/>
+              </a:ext>
+            </a:extLst>
+          </p:cNvPr>
+          <p:cNvSpPr txBox="1"/>
+          <p:nvPr/>
+        </p:nvSpPr>
+        <p:spPr>
+          <a:xfrm>
+            <a:off x="6761662" y="5019546"/>
+            <a:ext cx="2582310" cy="369332"/>
+          </a:xfrm>
+          <a:prstGeom prst="rect">
+            <a:avLst/>
+          </a:prstGeom>
+          <a:noFill/>
+        </p:spPr>
+        <p:txBody>
+          <a:bodyPr wrap="none" rtlCol="0">
+            <a:spAutoFit/>
+          </a:bodyPr>
+          <a:lstStyle/>
+          <a:p>
+            <a:r>
+              <a:rPr lang="en-TW" sz="1400" dirty="0">
+                <a:sym typeface="Wingdings" pitchFamily="2" charset="2"/>
+              </a:rPr>
+              <a:t></a:t>
+            </a:r>
+            <a:r>
+              <a:rPr lang="en-TW" dirty="0">
+                <a:sym typeface="Wingdings" pitchFamily="2" charset="2"/>
+              </a:rPr>
+              <a:t> Validation Accuracy = 0</a:t>
+            </a:r>
+            <a:endParaRPr lang="en-TW" dirty="0"/>
+          </a:p>
+        </p:txBody>
+      </p:sp>
     </p:spTree>
     <p:extLst>
       <p:ext uri="{BB962C8B-B14F-4D97-AF65-F5344CB8AC3E}">
@@ -8836,6 +8924,46 @@
       </p:grpSpPr>
       <p:sp>
         <p:nvSpPr>
+          <p:cNvPr id="2" name="Title 1">
+            <a:extLst>
+              <a:ext uri="{FF2B5EF4-FFF2-40B4-BE49-F238E27FC236}">
+                <a16:creationId xmlns:a16="http://schemas.microsoft.com/office/drawing/2014/main" id="{2D1F1D5D-BC21-FE6C-199A-114DD8A93B70}"/>
+              </a:ext>
+            </a:extLst>
+          </p:cNvPr>
+          <p:cNvSpPr>
+            <a:spLocks noGrp="1"/>
+          </p:cNvSpPr>
+          <p:nvPr>
+            <p:ph type="ctrTitle"/>
+          </p:nvPr>
+        </p:nvSpPr>
+        <p:spPr>
+          <a:xfrm>
+            <a:off x="1056289" y="1492465"/>
+            <a:ext cx="10079421" cy="2387600"/>
+          </a:xfrm>
+        </p:spPr>
+        <p:txBody>
+          <a:bodyPr>
+            <a:normAutofit/>
+          </a:bodyPr>
+          <a:lstStyle/>
+          <a:p>
+            <a:pPr>
+              <a:lnSpc>
+                <a:spcPct val="110000"/>
+              </a:lnSpc>
+            </a:pPr>
+            <a:r>
+              <a:rPr lang="en-TW" sz="4800" b="1" dirty="0"/>
+              <a:t>Graph Convolutional Network - GCN</a:t>
+            </a:r>
+          </a:p>
+        </p:txBody>
+      </p:sp>
+      <p:sp>
+        <p:nvSpPr>
           <p:cNvPr id="4" name="Slide Number Placeholder 3">
             <a:extLst>
               <a:ext uri="{FF2B5EF4-FFF2-40B4-BE49-F238E27FC236}">
@@ -8863,77 +8991,10 @@
           </a:p>
         </p:txBody>
       </p:sp>
-      <p:sp>
-        <p:nvSpPr>
-          <p:cNvPr id="5" name="Title 4">
-            <a:extLst>
-              <a:ext uri="{FF2B5EF4-FFF2-40B4-BE49-F238E27FC236}">
-                <a16:creationId xmlns:a16="http://schemas.microsoft.com/office/drawing/2014/main" id="{FD89D94C-6796-FFAC-888D-5EC2B2407BC6}"/>
-              </a:ext>
-            </a:extLst>
-          </p:cNvPr>
-          <p:cNvSpPr>
-            <a:spLocks noGrp="1"/>
-          </p:cNvSpPr>
-          <p:nvPr>
-            <p:ph type="ctrTitle"/>
-          </p:nvPr>
-        </p:nvSpPr>
-        <p:spPr>
-          <a:xfrm>
-            <a:off x="-2464676" y="-328064"/>
-            <a:ext cx="9144000" cy="2387600"/>
-          </a:xfrm>
-        </p:spPr>
-        <p:txBody>
-          <a:bodyPr/>
-          <a:lstStyle/>
-          <a:p>
-            <a:r>
-              <a:rPr lang="en-TW" b="1" dirty="0"/>
-              <a:t>Appendix</a:t>
-            </a:r>
-            <a:br>
-              <a:rPr lang="en-TW" dirty="0"/>
-            </a:br>
-            <a:endParaRPr lang="en-TW" dirty="0"/>
-          </a:p>
-        </p:txBody>
-      </p:sp>
-      <p:pic>
-        <p:nvPicPr>
-          <p:cNvPr id="3" name="Picture 2">
-            <a:extLst>
-              <a:ext uri="{FF2B5EF4-FFF2-40B4-BE49-F238E27FC236}">
-                <a16:creationId xmlns:a16="http://schemas.microsoft.com/office/drawing/2014/main" id="{F08B9031-7499-0304-FF13-6304A170C6AE}"/>
-              </a:ext>
-            </a:extLst>
-          </p:cNvPr>
-          <p:cNvPicPr>
-            <a:picLocks noChangeAspect="1"/>
-          </p:cNvPicPr>
-          <p:nvPr/>
-        </p:nvPicPr>
-        <p:blipFill>
-          <a:blip r:embed="rId2"/>
-          <a:stretch>
-            <a:fillRect/>
-          </a:stretch>
-        </p:blipFill>
-        <p:spPr>
-          <a:xfrm>
-            <a:off x="1902372" y="1432254"/>
-            <a:ext cx="7696200" cy="4813300"/>
-          </a:xfrm>
-          <a:prstGeom prst="rect">
-            <a:avLst/>
-          </a:prstGeom>
-        </p:spPr>
-      </p:pic>
     </p:spTree>
     <p:extLst>
       <p:ext uri="{BB962C8B-B14F-4D97-AF65-F5344CB8AC3E}">
-        <p14:creationId xmlns:p14="http://schemas.microsoft.com/office/powerpoint/2010/main" val="2900451811"/>
+        <p14:creationId xmlns:p14="http://schemas.microsoft.com/office/powerpoint/2010/main" val="1678796027"/>
       </p:ext>
     </p:extLst>
   </p:cSld>
@@ -8977,36 +9038,29 @@
           <p:cNvPr id="2" name="Title 1">
             <a:extLst>
               <a:ext uri="{FF2B5EF4-FFF2-40B4-BE49-F238E27FC236}">
-                <a16:creationId xmlns:a16="http://schemas.microsoft.com/office/drawing/2014/main" id="{2D1F1D5D-BC21-FE6C-199A-114DD8A93B70}"/>
-              </a:ext>
-            </a:extLst>
-          </p:cNvPr>
-          <p:cNvSpPr>
-            <a:spLocks noGrp="1"/>
-          </p:cNvSpPr>
-          <p:nvPr>
-            <p:ph type="ctrTitle"/>
-          </p:nvPr>
-        </p:nvSpPr>
-        <p:spPr>
-          <a:xfrm>
-            <a:off x="1056289" y="1492465"/>
-            <a:ext cx="10079421" cy="2387600"/>
-          </a:xfrm>
-        </p:spPr>
-        <p:txBody>
-          <a:bodyPr>
-            <a:normAutofit/>
-          </a:bodyPr>
-          <a:lstStyle/>
-          <a:p>
-            <a:pPr>
-              <a:lnSpc>
-                <a:spcPct val="110000"/>
-              </a:lnSpc>
-            </a:pPr>
-            <a:r>
-              <a:rPr lang="en-TW" sz="4800" b="1" dirty="0"/>
+                <a16:creationId xmlns:a16="http://schemas.microsoft.com/office/drawing/2014/main" id="{2B533BED-E48C-5E7F-2273-C55CCE98516B}"/>
+              </a:ext>
+            </a:extLst>
+          </p:cNvPr>
+          <p:cNvSpPr>
+            <a:spLocks noGrp="1"/>
+          </p:cNvSpPr>
+          <p:nvPr>
+            <p:ph type="title"/>
+          </p:nvPr>
+        </p:nvSpPr>
+        <p:spPr>
+          <a:xfrm>
+            <a:off x="363668" y="89416"/>
+            <a:ext cx="10515600" cy="1325563"/>
+          </a:xfrm>
+        </p:spPr>
+        <p:txBody>
+          <a:bodyPr/>
+          <a:lstStyle/>
+          <a:p>
+            <a:r>
+              <a:rPr lang="en-TW" b="1" dirty="0"/>
               <a:t>Graph Convolutional Network - GCN</a:t>
             </a:r>
           </a:p>
@@ -9017,7 +9071,7 @@
           <p:cNvPr id="4" name="Slide Number Placeholder 3">
             <a:extLst>
               <a:ext uri="{FF2B5EF4-FFF2-40B4-BE49-F238E27FC236}">
-                <a16:creationId xmlns:a16="http://schemas.microsoft.com/office/drawing/2014/main" id="{2BC4D631-FD05-0882-9331-7401BF92027E}"/>
+                <a16:creationId xmlns:a16="http://schemas.microsoft.com/office/drawing/2014/main" id="{5CD44B9F-7DE8-0932-BD70-B0BA453E653B}"/>
               </a:ext>
             </a:extLst>
           </p:cNvPr>
@@ -9036,382 +9090,6 @@
             <a:fld id="{DB156E10-B3DB-CB42-894C-E44038C8B0C4}" type="slidenum">
               <a:rPr lang="en-TW" smtClean="0"/>
               <a:t>19</a:t>
-            </a:fld>
-            <a:endParaRPr lang="en-TW"/>
-          </a:p>
-        </p:txBody>
-      </p:sp>
-    </p:spTree>
-    <p:extLst>
-      <p:ext uri="{BB962C8B-B14F-4D97-AF65-F5344CB8AC3E}">
-        <p14:creationId xmlns:p14="http://schemas.microsoft.com/office/powerpoint/2010/main" val="1678796027"/>
-      </p:ext>
-    </p:extLst>
-  </p:cSld>
-  <p:clrMapOvr>
-    <a:masterClrMapping/>
-  </p:clrMapOvr>
-  <mc:AlternateContent xmlns:mc="http://schemas.openxmlformats.org/markup-compatibility/2006" xmlns:p159="http://schemas.microsoft.com/office/powerpoint/2015/09/main">
-    <mc:Choice Requires="p159">
-      <p:transition xmlns:p14="http://schemas.microsoft.com/office/powerpoint/2010/main" spd="slow" p14:dur="2000">
-        <p159:morph option="byObject"/>
-      </p:transition>
-    </mc:Choice>
-    <mc:Fallback xmlns="">
-      <p:transition spd="slow">
-        <p:fade/>
-      </p:transition>
-    </mc:Fallback>
-  </mc:AlternateContent>
-</p:sld>
-</file>
-
-<file path=ppt/slides/slide2.xml><?xml version="1.0" encoding="utf-8"?>
-<p:sld xmlns:a="http://schemas.openxmlformats.org/drawingml/2006/main" xmlns:r="http://schemas.openxmlformats.org/officeDocument/2006/relationships" xmlns:p="http://schemas.openxmlformats.org/presentationml/2006/main">
-  <p:cSld>
-    <p:spTree>
-      <p:nvGrpSpPr>
-        <p:cNvPr id="1" name=""/>
-        <p:cNvGrpSpPr/>
-        <p:nvPr/>
-      </p:nvGrpSpPr>
-      <p:grpSpPr>
-        <a:xfrm>
-          <a:off x="0" y="0"/>
-          <a:ext cx="0" cy="0"/>
-          <a:chOff x="0" y="0"/>
-          <a:chExt cx="0" cy="0"/>
-        </a:xfrm>
-      </p:grpSpPr>
-      <p:sp>
-        <p:nvSpPr>
-          <p:cNvPr id="2" name="Title 1">
-            <a:extLst>
-              <a:ext uri="{FF2B5EF4-FFF2-40B4-BE49-F238E27FC236}">
-                <a16:creationId xmlns:a16="http://schemas.microsoft.com/office/drawing/2014/main" id="{3CD19673-87E3-F155-70D6-C4176996AE62}"/>
-              </a:ext>
-            </a:extLst>
-          </p:cNvPr>
-          <p:cNvSpPr>
-            <a:spLocks noGrp="1"/>
-          </p:cNvSpPr>
-          <p:nvPr>
-            <p:ph type="title"/>
-          </p:nvPr>
-        </p:nvSpPr>
-        <p:spPr>
-          <a:xfrm>
-            <a:off x="536448" y="136525"/>
-            <a:ext cx="10515600" cy="1325563"/>
-          </a:xfrm>
-        </p:spPr>
-        <p:txBody>
-          <a:bodyPr/>
-          <a:lstStyle/>
-          <a:p>
-            <a:r>
-              <a:rPr lang="en-TW" b="1" dirty="0"/>
-              <a:t>Outline</a:t>
-            </a:r>
-          </a:p>
-        </p:txBody>
-      </p:sp>
-      <p:sp>
-        <p:nvSpPr>
-          <p:cNvPr id="3" name="Content Placeholder 2">
-            <a:extLst>
-              <a:ext uri="{FF2B5EF4-FFF2-40B4-BE49-F238E27FC236}">
-                <a16:creationId xmlns:a16="http://schemas.microsoft.com/office/drawing/2014/main" id="{B2F97F4C-A696-D3C3-AB2B-F5D8B5959A58}"/>
-              </a:ext>
-            </a:extLst>
-          </p:cNvPr>
-          <p:cNvSpPr>
-            <a:spLocks noGrp="1"/>
-          </p:cNvSpPr>
-          <p:nvPr>
-            <p:ph idx="1"/>
-          </p:nvPr>
-        </p:nvSpPr>
-        <p:spPr>
-          <a:xfrm>
-            <a:off x="751332" y="1326198"/>
-            <a:ext cx="10689336" cy="5030152"/>
-          </a:xfrm>
-        </p:spPr>
-        <p:txBody>
-          <a:bodyPr>
-            <a:normAutofit/>
-          </a:bodyPr>
-          <a:lstStyle/>
-          <a:p>
-            <a:pPr>
-              <a:lnSpc>
-                <a:spcPct val="110000"/>
-              </a:lnSpc>
-            </a:pPr>
-            <a:r>
-              <a:rPr lang="en-TW" b="1" dirty="0"/>
-              <a:t>GNN - </a:t>
-            </a:r>
-            <a:r>
-              <a:rPr lang="en-TW" dirty="0"/>
-              <a:t>Graph Attention Network </a:t>
-            </a:r>
-          </a:p>
-          <a:p>
-            <a:pPr lvl="1">
-              <a:lnSpc>
-                <a:spcPct val="110000"/>
-              </a:lnSpc>
-            </a:pPr>
-            <a:r>
-              <a:rPr lang="en-TW" dirty="0"/>
-              <a:t>D</a:t>
-            </a:r>
-            <a:r>
-              <a:rPr lang="en-US" dirty="0"/>
-              <a:t>a</a:t>
-            </a:r>
-            <a:r>
-              <a:rPr lang="en-TW" dirty="0"/>
-              <a:t>taset</a:t>
-            </a:r>
-          </a:p>
-          <a:p>
-            <a:pPr lvl="1">
-              <a:lnSpc>
-                <a:spcPct val="110000"/>
-              </a:lnSpc>
-            </a:pPr>
-            <a:r>
-              <a:rPr lang="en-TW" dirty="0"/>
-              <a:t>Model</a:t>
-            </a:r>
-          </a:p>
-          <a:p>
-            <a:pPr lvl="1">
-              <a:lnSpc>
-                <a:spcPct val="110000"/>
-              </a:lnSpc>
-            </a:pPr>
-            <a:r>
-              <a:rPr lang="en-TW" dirty="0"/>
-              <a:t>Observation</a:t>
-            </a:r>
-          </a:p>
-          <a:p>
-            <a:pPr lvl="1">
-              <a:lnSpc>
-                <a:spcPct val="110000"/>
-              </a:lnSpc>
-            </a:pPr>
-            <a:r>
-              <a:rPr lang="en-TW" dirty="0"/>
-              <a:t>Modification</a:t>
-            </a:r>
-          </a:p>
-          <a:p>
-            <a:pPr lvl="2">
-              <a:lnSpc>
-                <a:spcPct val="110000"/>
-              </a:lnSpc>
-            </a:pPr>
-            <a:r>
-              <a:rPr lang="en-US" dirty="0"/>
-              <a:t>R</a:t>
-            </a:r>
-            <a:r>
-              <a:rPr lang="en-TW" dirty="0"/>
-              <a:t>epeat time</a:t>
-            </a:r>
-          </a:p>
-          <a:p>
-            <a:pPr lvl="2">
-              <a:lnSpc>
-                <a:spcPct val="110000"/>
-              </a:lnSpc>
-            </a:pPr>
-            <a:r>
-              <a:rPr lang="en-TW" dirty="0"/>
-              <a:t>Model </a:t>
-            </a:r>
-          </a:p>
-          <a:p>
-            <a:pPr lvl="2">
-              <a:lnSpc>
-                <a:spcPct val="110000"/>
-              </a:lnSpc>
-            </a:pPr>
-            <a:r>
-              <a:rPr lang="en-TW" dirty="0"/>
-              <a:t>Data Format</a:t>
-            </a:r>
-          </a:p>
-          <a:p>
-            <a:pPr>
-              <a:lnSpc>
-                <a:spcPct val="110000"/>
-              </a:lnSpc>
-            </a:pPr>
-            <a:endParaRPr lang="en-TW" b="1" dirty="0"/>
-          </a:p>
-          <a:p>
-            <a:pPr>
-              <a:lnSpc>
-                <a:spcPct val="110000"/>
-              </a:lnSpc>
-            </a:pPr>
-            <a:r>
-              <a:rPr lang="en-TW" b="1" dirty="0"/>
-              <a:t>Future Work</a:t>
-            </a:r>
-          </a:p>
-          <a:p>
-            <a:pPr>
-              <a:lnSpc>
-                <a:spcPct val="110000"/>
-              </a:lnSpc>
-            </a:pPr>
-            <a:endParaRPr lang="en-TW" dirty="0"/>
-          </a:p>
-          <a:p>
-            <a:pPr>
-              <a:lnSpc>
-                <a:spcPct val="110000"/>
-              </a:lnSpc>
-            </a:pPr>
-            <a:endParaRPr lang="en-TW" dirty="0"/>
-          </a:p>
-        </p:txBody>
-      </p:sp>
-      <p:sp>
-        <p:nvSpPr>
-          <p:cNvPr id="4" name="Slide Number Placeholder 3">
-            <a:extLst>
-              <a:ext uri="{FF2B5EF4-FFF2-40B4-BE49-F238E27FC236}">
-                <a16:creationId xmlns:a16="http://schemas.microsoft.com/office/drawing/2014/main" id="{BADFCDC4-2B6D-0898-DA05-192201896320}"/>
-              </a:ext>
-            </a:extLst>
-          </p:cNvPr>
-          <p:cNvSpPr>
-            <a:spLocks noGrp="1"/>
-          </p:cNvSpPr>
-          <p:nvPr>
-            <p:ph type="sldNum" sz="quarter" idx="12"/>
-          </p:nvPr>
-        </p:nvSpPr>
-        <p:spPr/>
-        <p:txBody>
-          <a:bodyPr/>
-          <a:lstStyle/>
-          <a:p>
-            <a:fld id="{DB156E10-B3DB-CB42-894C-E44038C8B0C4}" type="slidenum">
-              <a:rPr lang="en-TW" smtClean="0"/>
-              <a:t>2</a:t>
-            </a:fld>
-            <a:endParaRPr lang="en-TW"/>
-          </a:p>
-        </p:txBody>
-      </p:sp>
-    </p:spTree>
-    <p:extLst>
-      <p:ext uri="{BB962C8B-B14F-4D97-AF65-F5344CB8AC3E}">
-        <p14:creationId xmlns:p14="http://schemas.microsoft.com/office/powerpoint/2010/main" val="168948553"/>
-      </p:ext>
-    </p:extLst>
-  </p:cSld>
-  <p:clrMapOvr>
-    <a:masterClrMapping/>
-  </p:clrMapOvr>
-  <mc:AlternateContent xmlns:mc="http://schemas.openxmlformats.org/markup-compatibility/2006" xmlns:p159="http://schemas.microsoft.com/office/powerpoint/2015/09/main">
-    <mc:Choice Requires="p159">
-      <p:transition xmlns:p14="http://schemas.microsoft.com/office/powerpoint/2010/main" spd="slow" p14:dur="2000">
-        <p159:morph option="byObject"/>
-      </p:transition>
-    </mc:Choice>
-    <mc:Fallback xmlns="">
-      <p:transition spd="slow">
-        <p:fade/>
-      </p:transition>
-    </mc:Fallback>
-  </mc:AlternateContent>
-</p:sld>
-</file>
-
-<file path=ppt/slides/slide20.xml><?xml version="1.0" encoding="utf-8"?>
-<p:sld xmlns:a="http://schemas.openxmlformats.org/drawingml/2006/main" xmlns:r="http://schemas.openxmlformats.org/officeDocument/2006/relationships" xmlns:p="http://schemas.openxmlformats.org/presentationml/2006/main">
-  <p:cSld>
-    <p:spTree>
-      <p:nvGrpSpPr>
-        <p:cNvPr id="1" name=""/>
-        <p:cNvGrpSpPr/>
-        <p:nvPr/>
-      </p:nvGrpSpPr>
-      <p:grpSpPr>
-        <a:xfrm>
-          <a:off x="0" y="0"/>
-          <a:ext cx="0" cy="0"/>
-          <a:chOff x="0" y="0"/>
-          <a:chExt cx="0" cy="0"/>
-        </a:xfrm>
-      </p:grpSpPr>
-      <p:sp>
-        <p:nvSpPr>
-          <p:cNvPr id="2" name="Title 1">
-            <a:extLst>
-              <a:ext uri="{FF2B5EF4-FFF2-40B4-BE49-F238E27FC236}">
-                <a16:creationId xmlns:a16="http://schemas.microsoft.com/office/drawing/2014/main" id="{2B533BED-E48C-5E7F-2273-C55CCE98516B}"/>
-              </a:ext>
-            </a:extLst>
-          </p:cNvPr>
-          <p:cNvSpPr>
-            <a:spLocks noGrp="1"/>
-          </p:cNvSpPr>
-          <p:nvPr>
-            <p:ph type="title"/>
-          </p:nvPr>
-        </p:nvSpPr>
-        <p:spPr>
-          <a:xfrm>
-            <a:off x="363668" y="89416"/>
-            <a:ext cx="10515600" cy="1325563"/>
-          </a:xfrm>
-        </p:spPr>
-        <p:txBody>
-          <a:bodyPr/>
-          <a:lstStyle/>
-          <a:p>
-            <a:r>
-              <a:rPr lang="en-TW" b="1" dirty="0"/>
-              <a:t>Graph Convolutional Network - GCN</a:t>
-            </a:r>
-          </a:p>
-        </p:txBody>
-      </p:sp>
-      <p:sp>
-        <p:nvSpPr>
-          <p:cNvPr id="4" name="Slide Number Placeholder 3">
-            <a:extLst>
-              <a:ext uri="{FF2B5EF4-FFF2-40B4-BE49-F238E27FC236}">
-                <a16:creationId xmlns:a16="http://schemas.microsoft.com/office/drawing/2014/main" id="{5CD44B9F-7DE8-0932-BD70-B0BA453E653B}"/>
-              </a:ext>
-            </a:extLst>
-          </p:cNvPr>
-          <p:cNvSpPr>
-            <a:spLocks noGrp="1"/>
-          </p:cNvSpPr>
-          <p:nvPr>
-            <p:ph type="sldNum" sz="quarter" idx="12"/>
-          </p:nvPr>
-        </p:nvSpPr>
-        <p:spPr/>
-        <p:txBody>
-          <a:bodyPr/>
-          <a:lstStyle/>
-          <a:p>
-            <a:fld id="{DB156E10-B3DB-CB42-894C-E44038C8B0C4}" type="slidenum">
-              <a:rPr lang="en-TW" smtClean="0"/>
-              <a:t>20</a:t>
             </a:fld>
             <a:endParaRPr lang="en-TW"/>
           </a:p>
@@ -9932,7 +9610,7 @@
 </p:sld>
 </file>
 
-<file path=ppt/slides/slide21.xml><?xml version="1.0" encoding="utf-8"?>
+<file path=ppt/slides/slide2.xml><?xml version="1.0" encoding="utf-8"?>
 <p:sld xmlns:a="http://schemas.openxmlformats.org/drawingml/2006/main" xmlns:r="http://schemas.openxmlformats.org/officeDocument/2006/relationships" xmlns:p="http://schemas.openxmlformats.org/presentationml/2006/main">
   <p:cSld>
     <p:spTree>
@@ -9954,25 +9632,60 @@
           <p:cNvPr id="2" name="Title 1">
             <a:extLst>
               <a:ext uri="{FF2B5EF4-FFF2-40B4-BE49-F238E27FC236}">
-                <a16:creationId xmlns:a16="http://schemas.microsoft.com/office/drawing/2014/main" id="{2D1F1D5D-BC21-FE6C-199A-114DD8A93B70}"/>
-              </a:ext>
-            </a:extLst>
-          </p:cNvPr>
-          <p:cNvSpPr>
-            <a:spLocks noGrp="1"/>
-          </p:cNvSpPr>
-          <p:nvPr>
-            <p:ph type="ctrTitle"/>
-          </p:nvPr>
-        </p:nvSpPr>
-        <p:spPr>
-          <a:xfrm>
-            <a:off x="1524000" y="1566037"/>
-            <a:ext cx="9144000" cy="2387600"/>
+                <a16:creationId xmlns:a16="http://schemas.microsoft.com/office/drawing/2014/main" id="{3CD19673-87E3-F155-70D6-C4176996AE62}"/>
+              </a:ext>
+            </a:extLst>
+          </p:cNvPr>
+          <p:cNvSpPr>
+            <a:spLocks noGrp="1"/>
+          </p:cNvSpPr>
+          <p:nvPr>
+            <p:ph type="title"/>
+          </p:nvPr>
+        </p:nvSpPr>
+        <p:spPr>
+          <a:xfrm>
+            <a:off x="536448" y="136525"/>
+            <a:ext cx="10515600" cy="1325563"/>
           </a:xfrm>
         </p:spPr>
         <p:txBody>
           <a:bodyPr/>
+          <a:lstStyle/>
+          <a:p>
+            <a:r>
+              <a:rPr lang="en-TW" b="1" dirty="0"/>
+              <a:t>Outline</a:t>
+            </a:r>
+          </a:p>
+        </p:txBody>
+      </p:sp>
+      <p:sp>
+        <p:nvSpPr>
+          <p:cNvPr id="3" name="Content Placeholder 2">
+            <a:extLst>
+              <a:ext uri="{FF2B5EF4-FFF2-40B4-BE49-F238E27FC236}">
+                <a16:creationId xmlns:a16="http://schemas.microsoft.com/office/drawing/2014/main" id="{B2F97F4C-A696-D3C3-AB2B-F5D8B5959A58}"/>
+              </a:ext>
+            </a:extLst>
+          </p:cNvPr>
+          <p:cNvSpPr>
+            <a:spLocks noGrp="1"/>
+          </p:cNvSpPr>
+          <p:nvPr>
+            <p:ph idx="1"/>
+          </p:nvPr>
+        </p:nvSpPr>
+        <p:spPr>
+          <a:xfrm>
+            <a:off x="751332" y="1326198"/>
+            <a:ext cx="10689336" cy="5030152"/>
+          </a:xfrm>
+        </p:spPr>
+        <p:txBody>
+          <a:bodyPr>
+            <a:normAutofit/>
+          </a:bodyPr>
           <a:lstStyle/>
           <a:p>
             <a:pPr>
@@ -9982,8 +9695,125 @@
             </a:pPr>
             <a:r>
               <a:rPr lang="en-TW" b="1" dirty="0"/>
-              <a:t>TRAM</a:t>
-            </a:r>
+              <a:t>GNN - </a:t>
+            </a:r>
+            <a:r>
+              <a:rPr lang="en-TW" dirty="0"/>
+              <a:t>Graph Attention Network </a:t>
+            </a:r>
+          </a:p>
+          <a:p>
+            <a:pPr lvl="1">
+              <a:lnSpc>
+                <a:spcPct val="110000"/>
+              </a:lnSpc>
+            </a:pPr>
+            <a:r>
+              <a:rPr lang="en-TW" dirty="0"/>
+              <a:t>D</a:t>
+            </a:r>
+            <a:r>
+              <a:rPr lang="en-US" dirty="0"/>
+              <a:t>a</a:t>
+            </a:r>
+            <a:r>
+              <a:rPr lang="en-TW" dirty="0"/>
+              <a:t>taset</a:t>
+            </a:r>
+          </a:p>
+          <a:p>
+            <a:pPr lvl="1">
+              <a:lnSpc>
+                <a:spcPct val="110000"/>
+              </a:lnSpc>
+            </a:pPr>
+            <a:r>
+              <a:rPr lang="en-TW" dirty="0"/>
+              <a:t>Observation</a:t>
+            </a:r>
+          </a:p>
+          <a:p>
+            <a:pPr lvl="1">
+              <a:lnSpc>
+                <a:spcPct val="110000"/>
+              </a:lnSpc>
+            </a:pPr>
+            <a:r>
+              <a:rPr lang="en-TW" dirty="0"/>
+              <a:t>Modification</a:t>
+            </a:r>
+          </a:p>
+          <a:p>
+            <a:pPr lvl="2">
+              <a:lnSpc>
+                <a:spcPct val="110000"/>
+              </a:lnSpc>
+            </a:pPr>
+            <a:r>
+              <a:rPr lang="en-US" dirty="0"/>
+              <a:t>R</a:t>
+            </a:r>
+            <a:r>
+              <a:rPr lang="en-TW" dirty="0"/>
+              <a:t>epeat time</a:t>
+            </a:r>
+          </a:p>
+          <a:p>
+            <a:pPr lvl="2">
+              <a:lnSpc>
+                <a:spcPct val="110000"/>
+              </a:lnSpc>
+            </a:pPr>
+            <a:r>
+              <a:rPr lang="en-TW" dirty="0"/>
+              <a:t>Model </a:t>
+            </a:r>
+          </a:p>
+          <a:p>
+            <a:pPr lvl="2">
+              <a:lnSpc>
+                <a:spcPct val="110000"/>
+              </a:lnSpc>
+            </a:pPr>
+            <a:r>
+              <a:rPr lang="en-TW" dirty="0"/>
+              <a:t>Data Format</a:t>
+            </a:r>
+          </a:p>
+          <a:p>
+            <a:pPr>
+              <a:lnSpc>
+                <a:spcPct val="110000"/>
+              </a:lnSpc>
+            </a:pPr>
+            <a:endParaRPr lang="en-TW" b="1" dirty="0"/>
+          </a:p>
+          <a:p>
+            <a:pPr>
+              <a:lnSpc>
+                <a:spcPct val="110000"/>
+              </a:lnSpc>
+            </a:pPr>
+            <a:r>
+              <a:rPr lang="en-TW" b="1" dirty="0"/>
+              <a:t>Future Work</a:t>
+            </a:r>
+          </a:p>
+          <a:p>
+            <a:pPr>
+              <a:lnSpc>
+                <a:spcPct val="110000"/>
+              </a:lnSpc>
+            </a:pPr>
+            <a:endParaRPr lang="en-TW" dirty="0"/>
+          </a:p>
+          <a:p>
+            <a:pPr>
+              <a:lnSpc>
+                <a:spcPct val="110000"/>
+              </a:lnSpc>
+            </a:pPr>
+            <a:endParaRPr lang="en-TW" dirty="0"/>
           </a:p>
         </p:txBody>
       </p:sp>
@@ -9992,7 +9822,7 @@
           <p:cNvPr id="4" name="Slide Number Placeholder 3">
             <a:extLst>
               <a:ext uri="{FF2B5EF4-FFF2-40B4-BE49-F238E27FC236}">
-                <a16:creationId xmlns:a16="http://schemas.microsoft.com/office/drawing/2014/main" id="{2BC4D631-FD05-0882-9331-7401BF92027E}"/>
+                <a16:creationId xmlns:a16="http://schemas.microsoft.com/office/drawing/2014/main" id="{BADFCDC4-2B6D-0898-DA05-192201896320}"/>
               </a:ext>
             </a:extLst>
           </p:cNvPr>
@@ -10010,7 +9840,116 @@
           <a:p>
             <a:fld id="{DB156E10-B3DB-CB42-894C-E44038C8B0C4}" type="slidenum">
               <a:rPr lang="en-TW" smtClean="0"/>
-              <a:t>21</a:t>
+              <a:t>2</a:t>
+            </a:fld>
+            <a:endParaRPr lang="en-TW"/>
+          </a:p>
+        </p:txBody>
+      </p:sp>
+    </p:spTree>
+    <p:extLst>
+      <p:ext uri="{BB962C8B-B14F-4D97-AF65-F5344CB8AC3E}">
+        <p14:creationId xmlns:p14="http://schemas.microsoft.com/office/powerpoint/2010/main" val="168948553"/>
+      </p:ext>
+    </p:extLst>
+  </p:cSld>
+  <p:clrMapOvr>
+    <a:masterClrMapping/>
+  </p:clrMapOvr>
+  <mc:AlternateContent xmlns:mc="http://schemas.openxmlformats.org/markup-compatibility/2006" xmlns:p159="http://schemas.microsoft.com/office/powerpoint/2015/09/main">
+    <mc:Choice Requires="p159">
+      <p:transition xmlns:p14="http://schemas.microsoft.com/office/powerpoint/2010/main" spd="slow" p14:dur="2000">
+        <p159:morph option="byObject"/>
+      </p:transition>
+    </mc:Choice>
+    <mc:Fallback xmlns="">
+      <p:transition spd="slow">
+        <p:fade/>
+      </p:transition>
+    </mc:Fallback>
+  </mc:AlternateContent>
+</p:sld>
+</file>
+
+<file path=ppt/slides/slide20.xml><?xml version="1.0" encoding="utf-8"?>
+<p:sld xmlns:a="http://schemas.openxmlformats.org/drawingml/2006/main" xmlns:r="http://schemas.openxmlformats.org/officeDocument/2006/relationships" xmlns:p="http://schemas.openxmlformats.org/presentationml/2006/main">
+  <p:cSld>
+    <p:spTree>
+      <p:nvGrpSpPr>
+        <p:cNvPr id="1" name=""/>
+        <p:cNvGrpSpPr/>
+        <p:nvPr/>
+      </p:nvGrpSpPr>
+      <p:grpSpPr>
+        <a:xfrm>
+          <a:off x="0" y="0"/>
+          <a:ext cx="0" cy="0"/>
+          <a:chOff x="0" y="0"/>
+          <a:chExt cx="0" cy="0"/>
+        </a:xfrm>
+      </p:grpSpPr>
+      <p:sp>
+        <p:nvSpPr>
+          <p:cNvPr id="2" name="Title 1">
+            <a:extLst>
+              <a:ext uri="{FF2B5EF4-FFF2-40B4-BE49-F238E27FC236}">
+                <a16:creationId xmlns:a16="http://schemas.microsoft.com/office/drawing/2014/main" id="{2D1F1D5D-BC21-FE6C-199A-114DD8A93B70}"/>
+              </a:ext>
+            </a:extLst>
+          </p:cNvPr>
+          <p:cNvSpPr>
+            <a:spLocks noGrp="1"/>
+          </p:cNvSpPr>
+          <p:nvPr>
+            <p:ph type="ctrTitle"/>
+          </p:nvPr>
+        </p:nvSpPr>
+        <p:spPr>
+          <a:xfrm>
+            <a:off x="1524000" y="1566037"/>
+            <a:ext cx="9144000" cy="2387600"/>
+          </a:xfrm>
+        </p:spPr>
+        <p:txBody>
+          <a:bodyPr/>
+          <a:lstStyle/>
+          <a:p>
+            <a:pPr>
+              <a:lnSpc>
+                <a:spcPct val="110000"/>
+              </a:lnSpc>
+            </a:pPr>
+            <a:r>
+              <a:rPr lang="en-TW" b="1" dirty="0"/>
+              <a:t>TRAM</a:t>
+            </a:r>
+          </a:p>
+        </p:txBody>
+      </p:sp>
+      <p:sp>
+        <p:nvSpPr>
+          <p:cNvPr id="4" name="Slide Number Placeholder 3">
+            <a:extLst>
+              <a:ext uri="{FF2B5EF4-FFF2-40B4-BE49-F238E27FC236}">
+                <a16:creationId xmlns:a16="http://schemas.microsoft.com/office/drawing/2014/main" id="{2BC4D631-FD05-0882-9331-7401BF92027E}"/>
+              </a:ext>
+            </a:extLst>
+          </p:cNvPr>
+          <p:cNvSpPr>
+            <a:spLocks noGrp="1"/>
+          </p:cNvSpPr>
+          <p:nvPr>
+            <p:ph type="sldNum" sz="quarter" idx="12"/>
+          </p:nvPr>
+        </p:nvSpPr>
+        <p:spPr/>
+        <p:txBody>
+          <a:bodyPr/>
+          <a:lstStyle/>
+          <a:p>
+            <a:fld id="{DB156E10-B3DB-CB42-894C-E44038C8B0C4}" type="slidenum">
+              <a:rPr lang="en-TW" smtClean="0"/>
+              <a:t>20</a:t>
             </a:fld>
             <a:endParaRPr lang="en-TW"/>
           </a:p>
@@ -10041,7 +9980,7 @@
 </p:sld>
 </file>
 
-<file path=ppt/slides/slide22.xml><?xml version="1.0" encoding="utf-8"?>
+<file path=ppt/slides/slide21.xml><?xml version="1.0" encoding="utf-8"?>
 <p:sld xmlns:a="http://schemas.openxmlformats.org/drawingml/2006/main" xmlns:r="http://schemas.openxmlformats.org/officeDocument/2006/relationships" xmlns:p="http://schemas.openxmlformats.org/presentationml/2006/main">
   <p:cSld>
     <p:spTree>
@@ -10267,7 +10206,7 @@
           <a:p>
             <a:fld id="{DB156E10-B3DB-CB42-894C-E44038C8B0C4}" type="slidenum">
               <a:rPr lang="en-TW" smtClean="0"/>
-              <a:t>22</a:t>
+              <a:t>21</a:t>
             </a:fld>
             <a:endParaRPr lang="en-TW"/>
           </a:p>
@@ -10337,6 +10276,144 @@
     <p:extLst>
       <p:ext uri="{BB962C8B-B14F-4D97-AF65-F5344CB8AC3E}">
         <p14:creationId xmlns:p14="http://schemas.microsoft.com/office/powerpoint/2010/main" val="2591758008"/>
+      </p:ext>
+    </p:extLst>
+  </p:cSld>
+  <p:clrMapOvr>
+    <a:masterClrMapping/>
+  </p:clrMapOvr>
+  <mc:AlternateContent xmlns:mc="http://schemas.openxmlformats.org/markup-compatibility/2006" xmlns:p159="http://schemas.microsoft.com/office/powerpoint/2015/09/main">
+    <mc:Choice Requires="p159">
+      <p:transition xmlns:p14="http://schemas.microsoft.com/office/powerpoint/2010/main" spd="slow" p14:dur="2000">
+        <p159:morph option="byObject"/>
+      </p:transition>
+    </mc:Choice>
+    <mc:Fallback xmlns="">
+      <p:transition spd="slow">
+        <p:fade/>
+      </p:transition>
+    </mc:Fallback>
+  </mc:AlternateContent>
+</p:sld>
+</file>
+
+<file path=ppt/slides/slide22.xml><?xml version="1.0" encoding="utf-8"?>
+<p:sld xmlns:a="http://schemas.openxmlformats.org/drawingml/2006/main" xmlns:r="http://schemas.openxmlformats.org/officeDocument/2006/relationships" xmlns:p="http://schemas.openxmlformats.org/presentationml/2006/main">
+  <p:cSld>
+    <p:spTree>
+      <p:nvGrpSpPr>
+        <p:cNvPr id="1" name=""/>
+        <p:cNvGrpSpPr/>
+        <p:nvPr/>
+      </p:nvGrpSpPr>
+      <p:grpSpPr>
+        <a:xfrm>
+          <a:off x="0" y="0"/>
+          <a:ext cx="0" cy="0"/>
+          <a:chOff x="0" y="0"/>
+          <a:chExt cx="0" cy="0"/>
+        </a:xfrm>
+      </p:grpSpPr>
+      <p:sp>
+        <p:nvSpPr>
+          <p:cNvPr id="4" name="Slide Number Placeholder 3">
+            <a:extLst>
+              <a:ext uri="{FF2B5EF4-FFF2-40B4-BE49-F238E27FC236}">
+                <a16:creationId xmlns:a16="http://schemas.microsoft.com/office/drawing/2014/main" id="{2BC4D631-FD05-0882-9331-7401BF92027E}"/>
+              </a:ext>
+            </a:extLst>
+          </p:cNvPr>
+          <p:cNvSpPr>
+            <a:spLocks noGrp="1"/>
+          </p:cNvSpPr>
+          <p:nvPr>
+            <p:ph type="sldNum" sz="quarter" idx="12"/>
+          </p:nvPr>
+        </p:nvSpPr>
+        <p:spPr/>
+        <p:txBody>
+          <a:bodyPr/>
+          <a:lstStyle/>
+          <a:p>
+            <a:fld id="{DB156E10-B3DB-CB42-894C-E44038C8B0C4}" type="slidenum">
+              <a:rPr lang="en-TW" smtClean="0"/>
+              <a:t>22</a:t>
+            </a:fld>
+            <a:endParaRPr lang="en-TW"/>
+          </a:p>
+        </p:txBody>
+      </p:sp>
+      <p:sp>
+        <p:nvSpPr>
+          <p:cNvPr id="5" name="Title 4">
+            <a:extLst>
+              <a:ext uri="{FF2B5EF4-FFF2-40B4-BE49-F238E27FC236}">
+                <a16:creationId xmlns:a16="http://schemas.microsoft.com/office/drawing/2014/main" id="{FD89D94C-6796-FFAC-888D-5EC2B2407BC6}"/>
+              </a:ext>
+            </a:extLst>
+          </p:cNvPr>
+          <p:cNvSpPr>
+            <a:spLocks noGrp="1"/>
+          </p:cNvSpPr>
+          <p:nvPr>
+            <p:ph type="ctrTitle"/>
+          </p:nvPr>
+        </p:nvSpPr>
+        <p:spPr>
+          <a:xfrm>
+            <a:off x="-2464676" y="-328064"/>
+            <a:ext cx="9144000" cy="2387600"/>
+          </a:xfrm>
+        </p:spPr>
+        <p:txBody>
+          <a:bodyPr/>
+          <a:lstStyle/>
+          <a:p>
+            <a:r>
+              <a:rPr lang="en-TW" b="1" dirty="0"/>
+              <a:t>Appendix</a:t>
+            </a:r>
+            <a:br>
+              <a:rPr lang="en-TW" dirty="0"/>
+            </a:br>
+            <a:endParaRPr lang="en-TW" dirty="0"/>
+          </a:p>
+        </p:txBody>
+      </p:sp>
+      <p:pic>
+        <p:nvPicPr>
+          <p:cNvPr id="3" name="Picture 2">
+            <a:extLst>
+              <a:ext uri="{FF2B5EF4-FFF2-40B4-BE49-F238E27FC236}">
+                <a16:creationId xmlns:a16="http://schemas.microsoft.com/office/drawing/2014/main" id="{F08B9031-7499-0304-FF13-6304A170C6AE}"/>
+              </a:ext>
+            </a:extLst>
+          </p:cNvPr>
+          <p:cNvPicPr>
+            <a:picLocks noChangeAspect="1"/>
+          </p:cNvPicPr>
+          <p:nvPr/>
+        </p:nvPicPr>
+        <p:blipFill>
+          <a:blip r:embed="rId2"/>
+          <a:stretch>
+            <a:fillRect/>
+          </a:stretch>
+        </p:blipFill>
+        <p:spPr>
+          <a:xfrm>
+            <a:off x="1902372" y="1432254"/>
+            <a:ext cx="7696200" cy="4813300"/>
+          </a:xfrm>
+          <a:prstGeom prst="rect">
+            <a:avLst/>
+          </a:prstGeom>
+        </p:spPr>
+      </p:pic>
+    </p:spTree>
+    <p:extLst>
+      <p:ext uri="{BB962C8B-B14F-4D97-AF65-F5344CB8AC3E}">
+        <p14:creationId xmlns:p14="http://schemas.microsoft.com/office/powerpoint/2010/main" val="3007520754"/>
       </p:ext>
     </p:extLst>
   </p:cSld>
@@ -10998,8 +11075,8 @@
         </p:nvSpPr>
         <p:spPr>
           <a:xfrm>
-            <a:off x="468913" y="3678694"/>
-            <a:ext cx="11758347" cy="2677656"/>
+            <a:off x="797183" y="3119154"/>
+            <a:ext cx="9348072" cy="2769989"/>
           </a:xfrm>
           <a:prstGeom prst="rect">
             <a:avLst/>
@@ -11018,7 +11095,31 @@
             </a:pPr>
             <a:r>
               <a:rPr lang="en-US" sz="2400" dirty="0"/>
-              <a:t>Since assigning the node id as the node feature is a little bit weird</a:t>
+              <a:t>Map the </a:t>
+            </a:r>
+            <a:r>
+              <a:rPr lang="en-US" sz="2400" b="1" dirty="0"/>
+              <a:t>n</a:t>
+            </a:r>
+            <a:r>
+              <a:rPr lang="en-TW" sz="2400" b="1" dirty="0"/>
+              <a:t>ode_feat </a:t>
+            </a:r>
+            <a:r>
+              <a:rPr lang="en-TW" sz="2400" dirty="0"/>
+              <a:t>to its </a:t>
+            </a:r>
+            <a:r>
+              <a:rPr lang="en-TW" sz="2400" b="1" dirty="0"/>
+              <a:t>embedding</a:t>
+            </a:r>
+            <a:r>
+              <a:rPr lang="en-TW" sz="2400" dirty="0"/>
+              <a:t> based on the </a:t>
+            </a:r>
+            <a:r>
+              <a:rPr lang="en-US" sz="2400" b="1" dirty="0"/>
+              <a:t>transR_50.vec.json </a:t>
             </a:r>
           </a:p>
           <a:p>
@@ -11027,63 +11128,20 @@
               <a:buChar char="•"/>
             </a:pPr>
             <a:r>
-              <a:rPr lang="en-US" dirty="0"/>
-              <a:t>Map the </a:t>
-            </a:r>
-            <a:r>
-              <a:rPr lang="en-US" b="1" dirty="0"/>
-              <a:t>n</a:t>
-            </a:r>
-            <a:r>
-              <a:rPr lang="en-TW" b="1" dirty="0"/>
-              <a:t>ode_feat </a:t>
-            </a:r>
-            <a:r>
-              <a:rPr lang="en-TW" dirty="0"/>
-              <a:t>to its </a:t>
-            </a:r>
-            <a:r>
-              <a:rPr lang="en-TW" b="1" dirty="0"/>
-              <a:t>embedding</a:t>
-            </a:r>
-            <a:r>
-              <a:rPr lang="en-TW" dirty="0"/>
-              <a:t> based on the </a:t>
-            </a:r>
-            <a:r>
-              <a:rPr lang="en-US" b="1" dirty="0"/>
-              <a:t>transR_50.vec.json </a:t>
-            </a:r>
-            <a:r>
-              <a:rPr lang="en-US" dirty="0">
-                <a:sym typeface="Wingdings" pitchFamily="2" charset="2"/>
-              </a:rPr>
-              <a:t></a:t>
-            </a:r>
-            <a:r>
-              <a:rPr lang="en-US" b="1" dirty="0">
-                <a:sym typeface="Wingdings" pitchFamily="2" charset="2"/>
-              </a:rPr>
-              <a:t> </a:t>
-            </a:r>
-            <a:r>
-              <a:rPr lang="en-US" dirty="0">
+              <a:rPr lang="en-US" sz="2400" dirty="0">
                 <a:sym typeface="Wingdings" pitchFamily="2" charset="2"/>
               </a:rPr>
               <a:t>node id correspond to a vector of </a:t>
             </a:r>
             <a:r>
-              <a:rPr lang="en-US" b="1" dirty="0">
+              <a:rPr lang="en-US" sz="2400" b="1" dirty="0">
                 <a:sym typeface="Wingdings" pitchFamily="2" charset="2"/>
               </a:rPr>
               <a:t>50-dim</a:t>
             </a:r>
-            <a:endParaRPr lang="en-US" sz="2400" b="1" dirty="0">
-              <a:sym typeface="Wingdings" pitchFamily="2" charset="2"/>
-            </a:endParaRPr>
-          </a:p>
-          <a:p>
-            <a:pPr marL="285750" indent="-285750">
+          </a:p>
+          <a:p>
+            <a:pPr marL="742950" lvl="1" indent="-285750">
               <a:buFont typeface="Arial" panose="020B0604020202020204" pitchFamily="34" charset="0"/>
               <a:buChar char="•"/>
             </a:pPr>
@@ -11186,7 +11244,7 @@
         </p:blipFill>
         <p:spPr>
           <a:xfrm>
-            <a:off x="7372524" y="5017522"/>
+            <a:off x="7178172" y="4357743"/>
             <a:ext cx="4599242" cy="925135"/>
           </a:xfrm>
           <a:prstGeom prst="rect">
@@ -11208,7 +11266,7 @@
         </p:nvSpPr>
         <p:spPr>
           <a:xfrm>
-            <a:off x="9672145" y="4443001"/>
+            <a:off x="8969618" y="3712942"/>
             <a:ext cx="508175" cy="452660"/>
           </a:xfrm>
           <a:prstGeom prst="downArrow">
@@ -11236,7 +11294,7 @@
           <a:lstStyle/>
           <a:p>
             <a:pPr algn="ctr"/>
-            <a:endParaRPr lang="en-TW"/>
+            <a:endParaRPr lang="en-TW" dirty="0"/>
           </a:p>
         </p:txBody>
       </p:sp>
@@ -11611,45 +11669,6 @@
           </a:p>
         </p:txBody>
       </p:sp>
-      <p:sp>
-        <p:nvSpPr>
-          <p:cNvPr id="20" name="TextBox 19">
-            <a:extLst>
-              <a:ext uri="{FF2B5EF4-FFF2-40B4-BE49-F238E27FC236}">
-                <a16:creationId xmlns:a16="http://schemas.microsoft.com/office/drawing/2014/main" id="{E55479F7-D177-A214-EF9D-71E6A0E95164}"/>
-              </a:ext>
-            </a:extLst>
-          </p:cNvPr>
-          <p:cNvSpPr txBox="1"/>
-          <p:nvPr/>
-        </p:nvSpPr>
-        <p:spPr>
-          <a:xfrm>
-            <a:off x="9604539" y="5683750"/>
-            <a:ext cx="1398909" cy="307777"/>
-          </a:xfrm>
-          <a:prstGeom prst="rect">
-            <a:avLst/>
-          </a:prstGeom>
-          <a:noFill/>
-        </p:spPr>
-        <p:txBody>
-          <a:bodyPr wrap="none" rtlCol="0">
-            <a:spAutoFit/>
-          </a:bodyPr>
-          <a:lstStyle/>
-          <a:p>
-            <a:r>
-              <a:rPr lang="en-US" sz="1400" dirty="0"/>
-              <a:t>Q: H</a:t>
-            </a:r>
-            <a:r>
-              <a:rPr lang="en-TW" sz="1400" dirty="0"/>
-              <a:t>ow to label?</a:t>
-            </a:r>
-          </a:p>
-        </p:txBody>
-      </p:sp>
     </p:spTree>
     <p:extLst>
       <p:ext uri="{BB962C8B-B14F-4D97-AF65-F5344CB8AC3E}">
@@ -12088,7 +12107,7 @@
         </p:nvSpPr>
         <p:spPr>
           <a:xfrm>
-            <a:off x="213419" y="70553"/>
+            <a:off x="391839" y="67179"/>
             <a:ext cx="10515600" cy="1325563"/>
           </a:xfrm>
         </p:spPr>
@@ -12150,7 +12169,7 @@
         </p:nvSpPr>
         <p:spPr>
           <a:xfrm>
-            <a:off x="465072" y="1202366"/>
+            <a:off x="679436" y="1188657"/>
             <a:ext cx="10148621" cy="908299"/>
           </a:xfrm>
         </p:spPr>
@@ -12167,8 +12186,21 @@
             <a:pPr lvl="1"/>
             <a:r>
               <a:rPr lang="en-TW" dirty="0"/>
-              <a:t># of repeat time affect the performance dramatically</a:t>
-            </a:r>
+              <a:t># of repeat time small </a:t>
+            </a:r>
+            <a:r>
+              <a:rPr lang="en-TW" sz="2000" dirty="0">
+                <a:sym typeface="Wingdings" pitchFamily="2" charset="2"/>
+              </a:rPr>
+              <a:t></a:t>
+            </a:r>
+            <a:r>
+              <a:rPr lang="en-TW" dirty="0">
+                <a:sym typeface="Wingdings" pitchFamily="2" charset="2"/>
+              </a:rPr>
+              <a:t> bad performance</a:t>
+            </a:r>
+            <a:endParaRPr lang="en-TW" dirty="0"/>
           </a:p>
         </p:txBody>
       </p:sp>
@@ -12216,7 +12248,7 @@
         </p:nvSpPr>
         <p:spPr>
           <a:xfrm>
-            <a:off x="1138349" y="2500569"/>
+            <a:off x="1352713" y="2486860"/>
             <a:ext cx="2172005" cy="369332"/>
           </a:xfrm>
           <a:prstGeom prst="rect">
@@ -12507,7 +12539,7 @@
         </p:nvSpPr>
         <p:spPr>
           <a:xfrm>
-            <a:off x="1146047" y="3450329"/>
+            <a:off x="1360411" y="3436620"/>
             <a:ext cx="2172005" cy="369332"/>
           </a:xfrm>
           <a:prstGeom prst="rect">
@@ -12546,7 +12578,7 @@
         </p:nvSpPr>
         <p:spPr>
           <a:xfrm>
-            <a:off x="1146047" y="4738820"/>
+            <a:off x="1360411" y="4725111"/>
             <a:ext cx="2662908" cy="369332"/>
           </a:xfrm>
           <a:prstGeom prst="rect">
